--- a/Presentation/Cloudgen2021_Template.pptx
+++ b/Presentation/Cloudgen2021_Template.pptx
@@ -5,13 +5,14 @@
     <p:sldMasterId id="2147483648" r:id="rId1"/>
   </p:sldMasterIdLst>
   <p:notesMasterIdLst>
-    <p:notesMasterId r:id="rId6"/>
+    <p:notesMasterId r:id="rId7"/>
   </p:notesMasterIdLst>
   <p:sldIdLst>
     <p:sldId id="325" r:id="rId2"/>
-    <p:sldId id="326" r:id="rId3"/>
-    <p:sldId id="261" r:id="rId4"/>
-    <p:sldId id="327" r:id="rId5"/>
+    <p:sldId id="328" r:id="rId3"/>
+    <p:sldId id="326" r:id="rId4"/>
+    <p:sldId id="261" r:id="rId5"/>
+    <p:sldId id="327" r:id="rId6"/>
   </p:sldIdLst>
   <p:sldSz cx="12192000" cy="6858000"/>
   <p:notesSz cx="6858000" cy="9144000"/>
@@ -2425,7 +2426,7 @@
             </a:ln>
             <a:extLst>
               <a:ext uri="{91240B29-F687-4f45-9708-019B960494DF}">
-                <a14:hiddenLine xmlns:a14="http://schemas.microsoft.com/office/drawing/2010/main" xmlns="" w="9525">
+                <a14:hiddenLine xmlns="" xmlns:a14="http://schemas.microsoft.com/office/drawing/2010/main" w="9525">
                   <a:solidFill>
                     <a:srgbClr val="000000"/>
                   </a:solidFill>
@@ -2647,7 +2648,7 @@
             </a:ln>
             <a:extLst>
               <a:ext uri="{91240B29-F687-4f45-9708-019B960494DF}">
-                <a14:hiddenLine xmlns:a14="http://schemas.microsoft.com/office/drawing/2010/main" xmlns="" w="9525">
+                <a14:hiddenLine xmlns="" xmlns:a14="http://schemas.microsoft.com/office/drawing/2010/main" w="9525">
                   <a:solidFill>
                     <a:srgbClr val="000000"/>
                   </a:solidFill>
@@ -4863,7 +4864,7 @@
             </a:ln>
             <a:extLst>
               <a:ext uri="{91240B29-F687-4f45-9708-019B960494DF}">
-                <a14:hiddenLine xmlns:a14="http://schemas.microsoft.com/office/drawing/2010/main" xmlns="" w="9525">
+                <a14:hiddenLine xmlns="" xmlns:a14="http://schemas.microsoft.com/office/drawing/2010/main" w="9525">
                   <a:solidFill>
                     <a:srgbClr val="000000"/>
                   </a:solidFill>
@@ -5295,7 +5296,7 @@
             </a:ln>
             <a:extLst>
               <a:ext uri="{91240B29-F687-4f45-9708-019B960494DF}">
-                <a14:hiddenLine xmlns:a14="http://schemas.microsoft.com/office/drawing/2010/main" xmlns="" w="9525">
+                <a14:hiddenLine xmlns="" xmlns:a14="http://schemas.microsoft.com/office/drawing/2010/main" w="9525">
                   <a:solidFill>
                     <a:srgbClr val="000000"/>
                   </a:solidFill>
@@ -6417,7 +6418,7 @@
             </a:ln>
             <a:extLst>
               <a:ext uri="{91240B29-F687-4f45-9708-019B960494DF}">
-                <a14:hiddenLine xmlns:a14="http://schemas.microsoft.com/office/drawing/2010/main" xmlns="" w="9525">
+                <a14:hiddenLine xmlns="" xmlns:a14="http://schemas.microsoft.com/office/drawing/2010/main" w="9525">
                   <a:solidFill>
                     <a:srgbClr val="000000"/>
                   </a:solidFill>
@@ -6849,7 +6850,7 @@
             </a:ln>
             <a:extLst>
               <a:ext uri="{91240B29-F687-4f45-9708-019B960494DF}">
-                <a14:hiddenLine xmlns:a14="http://schemas.microsoft.com/office/drawing/2010/main" xmlns="" w="9525">
+                <a14:hiddenLine xmlns="" xmlns:a14="http://schemas.microsoft.com/office/drawing/2010/main" w="9525">
                   <a:solidFill>
                     <a:srgbClr val="000000"/>
                   </a:solidFill>
@@ -10412,10 +10413,10 @@
       </p:grpSpPr>
       <p:sp>
         <p:nvSpPr>
-          <p:cNvPr id="4" name="Title 3">
+          <p:cNvPr id="2" name="Title 1">
             <a:extLst>
               <a:ext uri="{FF2B5EF4-FFF2-40B4-BE49-F238E27FC236}">
-                <a16:creationId xmlns:a16="http://schemas.microsoft.com/office/drawing/2014/main" id="{42721377-C167-4090-888E-8B3B877D2F07}"/>
+                <a16:creationId xmlns:a16="http://schemas.microsoft.com/office/drawing/2014/main" id="{3B5A8B9C-34B7-47EF-8CC3-FB61479DBF0B}"/>
               </a:ext>
             </a:extLst>
           </p:cNvPr>
@@ -10431,120 +10432,160 @@
           <a:bodyPr/>
           <a:lstStyle/>
           <a:p>
-            <a:endParaRPr lang="en-US"/>
+            <a:r>
+              <a:rPr lang="en-US" dirty="0"/>
+              <a:t>Thanks to our partners</a:t>
+            </a:r>
           </a:p>
         </p:txBody>
       </p:sp>
-      <p:sp>
-        <p:nvSpPr>
-          <p:cNvPr id="5" name="Text Placeholder 4">
+      <p:pic>
+        <p:nvPicPr>
+          <p:cNvPr id="5" name="Content Placeholder 4" descr="A picture containing text, sign, clipart&#10;&#10;Description automatically generated">
             <a:extLst>
               <a:ext uri="{FF2B5EF4-FFF2-40B4-BE49-F238E27FC236}">
-                <a16:creationId xmlns:a16="http://schemas.microsoft.com/office/drawing/2014/main" id="{7ED6B36B-3ED8-4A3E-B589-4293362FE879}"/>
+                <a16:creationId xmlns:a16="http://schemas.microsoft.com/office/drawing/2014/main" id="{70FF0F71-FBBF-4F55-BCDF-1E771EE933AC}"/>
               </a:ext>
             </a:extLst>
           </p:cNvPr>
-          <p:cNvSpPr>
-            <a:spLocks noGrp="1"/>
-          </p:cNvSpPr>
+          <p:cNvPicPr>
+            <a:picLocks noGrp="1" noChangeAspect="1"/>
+          </p:cNvPicPr>
           <p:nvPr>
-            <p:ph type="body" sz="quarter" idx="10"/>
+            <p:ph idx="1"/>
           </p:nvPr>
-        </p:nvSpPr>
-        <p:spPr/>
-        <p:txBody>
-          <a:bodyPr>
-            <a:normAutofit fontScale="92500" lnSpcReduction="10000"/>
-          </a:bodyPr>
-          <a:lstStyle/>
-          <a:p>
-            <a:endParaRPr lang="en-US"/>
-          </a:p>
-        </p:txBody>
-      </p:sp>
-      <p:sp>
-        <p:nvSpPr>
-          <p:cNvPr id="6" name="Text Placeholder 5">
+        </p:nvPicPr>
+        <p:blipFill>
+          <a:blip r:embed="rId2">
+            <a:extLst>
+              <a:ext uri="{28A0092B-C50C-407E-A947-70E740481C1C}">
+                <a14:useLocalDpi xmlns:a14="http://schemas.microsoft.com/office/drawing/2010/main" val="0"/>
+              </a:ext>
+            </a:extLst>
+          </a:blip>
+          <a:stretch>
+            <a:fillRect/>
+          </a:stretch>
+        </p:blipFill>
+        <p:spPr>
+          <a:xfrm>
+            <a:off x="2587096" y="1745673"/>
+            <a:ext cx="7017805" cy="1212337"/>
+          </a:xfrm>
+        </p:spPr>
+      </p:pic>
+      <p:pic>
+        <p:nvPicPr>
+          <p:cNvPr id="7" name="Picture 6" descr="Icon&#10;&#10;Description automatically generated">
             <a:extLst>
               <a:ext uri="{FF2B5EF4-FFF2-40B4-BE49-F238E27FC236}">
-                <a16:creationId xmlns:a16="http://schemas.microsoft.com/office/drawing/2014/main" id="{E0703B2D-75C4-479F-B27D-9C4CD585963E}"/>
+                <a16:creationId xmlns:a16="http://schemas.microsoft.com/office/drawing/2014/main" id="{C5C77284-D02D-4B63-B7A5-F093D4FE4F19}"/>
               </a:ext>
             </a:extLst>
           </p:cNvPr>
-          <p:cNvSpPr>
-            <a:spLocks noGrp="1"/>
-          </p:cNvSpPr>
-          <p:nvPr>
-            <p:ph type="body" sz="quarter" idx="11"/>
-          </p:nvPr>
-        </p:nvSpPr>
-        <p:spPr/>
-        <p:txBody>
-          <a:bodyPr>
-            <a:normAutofit fontScale="92500" lnSpcReduction="10000"/>
-          </a:bodyPr>
-          <a:lstStyle/>
-          <a:p>
-            <a:endParaRPr lang="en-US"/>
-          </a:p>
-        </p:txBody>
-      </p:sp>
-      <p:sp>
-        <p:nvSpPr>
-          <p:cNvPr id="7" name="Text Placeholder 6">
+          <p:cNvPicPr>
+            <a:picLocks noChangeAspect="1"/>
+          </p:cNvPicPr>
+          <p:nvPr/>
+        </p:nvPicPr>
+        <p:blipFill>
+          <a:blip r:embed="rId3">
+            <a:extLst>
+              <a:ext uri="{28A0092B-C50C-407E-A947-70E740481C1C}">
+                <a14:useLocalDpi xmlns:a14="http://schemas.microsoft.com/office/drawing/2010/main" val="0"/>
+              </a:ext>
+            </a:extLst>
+          </a:blip>
+          <a:stretch>
+            <a:fillRect/>
+          </a:stretch>
+        </p:blipFill>
+        <p:spPr>
+          <a:xfrm>
+            <a:off x="1446605" y="4674998"/>
+            <a:ext cx="1476199" cy="1600200"/>
+          </a:xfrm>
+          <a:prstGeom prst="rect">
+            <a:avLst/>
+          </a:prstGeom>
+        </p:spPr>
+      </p:pic>
+      <p:pic>
+        <p:nvPicPr>
+          <p:cNvPr id="9" name="Picture 8" descr="Logo&#10;&#10;Description automatically generated">
             <a:extLst>
               <a:ext uri="{FF2B5EF4-FFF2-40B4-BE49-F238E27FC236}">
-                <a16:creationId xmlns:a16="http://schemas.microsoft.com/office/drawing/2014/main" id="{39521558-D274-44A1-9005-7C91C05F90B5}"/>
+                <a16:creationId xmlns:a16="http://schemas.microsoft.com/office/drawing/2014/main" id="{3B2F5DEB-FB81-466B-93E4-34AE0BD2D0AB}"/>
               </a:ext>
             </a:extLst>
           </p:cNvPr>
-          <p:cNvSpPr>
-            <a:spLocks noGrp="1"/>
-          </p:cNvSpPr>
-          <p:nvPr>
-            <p:ph type="body" sz="quarter" idx="12"/>
-          </p:nvPr>
-        </p:nvSpPr>
-        <p:spPr/>
-        <p:txBody>
-          <a:bodyPr>
-            <a:normAutofit fontScale="92500" lnSpcReduction="10000"/>
-          </a:bodyPr>
-          <a:lstStyle/>
-          <a:p>
-            <a:endParaRPr lang="en-US"/>
-          </a:p>
-        </p:txBody>
-      </p:sp>
-      <p:sp>
-        <p:nvSpPr>
-          <p:cNvPr id="8" name="Text Placeholder 7">
+          <p:cNvPicPr>
+            <a:picLocks noChangeAspect="1"/>
+          </p:cNvPicPr>
+          <p:nvPr/>
+        </p:nvPicPr>
+        <p:blipFill>
+          <a:blip r:embed="rId4">
+            <a:extLst>
+              <a:ext uri="{28A0092B-C50C-407E-A947-70E740481C1C}">
+                <a14:useLocalDpi xmlns:a14="http://schemas.microsoft.com/office/drawing/2010/main" val="0"/>
+              </a:ext>
+            </a:extLst>
+          </a:blip>
+          <a:stretch>
+            <a:fillRect/>
+          </a:stretch>
+        </p:blipFill>
+        <p:spPr>
+          <a:xfrm>
+            <a:off x="3951105" y="4399429"/>
+            <a:ext cx="4289789" cy="1922715"/>
+          </a:xfrm>
+          <a:prstGeom prst="rect">
+            <a:avLst/>
+          </a:prstGeom>
+        </p:spPr>
+      </p:pic>
+      <p:pic>
+        <p:nvPicPr>
+          <p:cNvPr id="11" name="Picture 10" descr="Logo&#10;&#10;Description automatically generated">
             <a:extLst>
               <a:ext uri="{FF2B5EF4-FFF2-40B4-BE49-F238E27FC236}">
-                <a16:creationId xmlns:a16="http://schemas.microsoft.com/office/drawing/2014/main" id="{56302D06-8D79-4F3C-B332-A350A00474AA}"/>
+                <a16:creationId xmlns:a16="http://schemas.microsoft.com/office/drawing/2014/main" id="{664F87E9-B967-4F5E-ADD8-F7C4AF463767}"/>
               </a:ext>
             </a:extLst>
           </p:cNvPr>
-          <p:cNvSpPr>
-            <a:spLocks noGrp="1"/>
-          </p:cNvSpPr>
-          <p:nvPr>
-            <p:ph type="body" sz="quarter" idx="13"/>
-          </p:nvPr>
-        </p:nvSpPr>
-        <p:spPr/>
-        <p:txBody>
-          <a:bodyPr/>
-          <a:lstStyle/>
-          <a:p>
-            <a:endParaRPr lang="en-US"/>
-          </a:p>
-        </p:txBody>
-      </p:sp>
+          <p:cNvPicPr>
+            <a:picLocks noChangeAspect="1"/>
+          </p:cNvPicPr>
+          <p:nvPr/>
+        </p:nvPicPr>
+        <p:blipFill>
+          <a:blip r:embed="rId5">
+            <a:extLst>
+              <a:ext uri="{28A0092B-C50C-407E-A947-70E740481C1C}">
+                <a14:useLocalDpi xmlns:a14="http://schemas.microsoft.com/office/drawing/2010/main" val="0"/>
+              </a:ext>
+            </a:extLst>
+          </a:blip>
+          <a:stretch>
+            <a:fillRect/>
+          </a:stretch>
+        </p:blipFill>
+        <p:spPr>
+          <a:xfrm>
+            <a:off x="8645670" y="4599369"/>
+            <a:ext cx="3186528" cy="1522833"/>
+          </a:xfrm>
+          <a:prstGeom prst="rect">
+            <a:avLst/>
+          </a:prstGeom>
+        </p:spPr>
+      </p:pic>
     </p:spTree>
     <p:extLst>
       <p:ext uri="{BB962C8B-B14F-4D97-AF65-F5344CB8AC3E}">
-        <p14:creationId xmlns:p14="http://schemas.microsoft.com/office/powerpoint/2010/main" val="777191069"/>
+        <p14:creationId xmlns:p14="http://schemas.microsoft.com/office/powerpoint/2010/main" val="373368922"/>
       </p:ext>
     </p:extLst>
   </p:cSld>
@@ -10573,6 +10614,167 @@
       </p:grpSpPr>
       <p:sp>
         <p:nvSpPr>
+          <p:cNvPr id="4" name="Title 3">
+            <a:extLst>
+              <a:ext uri="{FF2B5EF4-FFF2-40B4-BE49-F238E27FC236}">
+                <a16:creationId xmlns:a16="http://schemas.microsoft.com/office/drawing/2014/main" id="{42721377-C167-4090-888E-8B3B877D2F07}"/>
+              </a:ext>
+            </a:extLst>
+          </p:cNvPr>
+          <p:cNvSpPr>
+            <a:spLocks noGrp="1"/>
+          </p:cNvSpPr>
+          <p:nvPr>
+            <p:ph type="title"/>
+          </p:nvPr>
+        </p:nvSpPr>
+        <p:spPr/>
+        <p:txBody>
+          <a:bodyPr/>
+          <a:lstStyle/>
+          <a:p>
+            <a:endParaRPr lang="en-US"/>
+          </a:p>
+        </p:txBody>
+      </p:sp>
+      <p:sp>
+        <p:nvSpPr>
+          <p:cNvPr id="5" name="Text Placeholder 4">
+            <a:extLst>
+              <a:ext uri="{FF2B5EF4-FFF2-40B4-BE49-F238E27FC236}">
+                <a16:creationId xmlns:a16="http://schemas.microsoft.com/office/drawing/2014/main" id="{7ED6B36B-3ED8-4A3E-B589-4293362FE879}"/>
+              </a:ext>
+            </a:extLst>
+          </p:cNvPr>
+          <p:cNvSpPr>
+            <a:spLocks noGrp="1"/>
+          </p:cNvSpPr>
+          <p:nvPr>
+            <p:ph type="body" sz="quarter" idx="10"/>
+          </p:nvPr>
+        </p:nvSpPr>
+        <p:spPr/>
+        <p:txBody>
+          <a:bodyPr>
+            <a:normAutofit fontScale="92500" lnSpcReduction="10000"/>
+          </a:bodyPr>
+          <a:lstStyle/>
+          <a:p>
+            <a:endParaRPr lang="en-US"/>
+          </a:p>
+        </p:txBody>
+      </p:sp>
+      <p:sp>
+        <p:nvSpPr>
+          <p:cNvPr id="6" name="Text Placeholder 5">
+            <a:extLst>
+              <a:ext uri="{FF2B5EF4-FFF2-40B4-BE49-F238E27FC236}">
+                <a16:creationId xmlns:a16="http://schemas.microsoft.com/office/drawing/2014/main" id="{E0703B2D-75C4-479F-B27D-9C4CD585963E}"/>
+              </a:ext>
+            </a:extLst>
+          </p:cNvPr>
+          <p:cNvSpPr>
+            <a:spLocks noGrp="1"/>
+          </p:cNvSpPr>
+          <p:nvPr>
+            <p:ph type="body" sz="quarter" idx="11"/>
+          </p:nvPr>
+        </p:nvSpPr>
+        <p:spPr/>
+        <p:txBody>
+          <a:bodyPr>
+            <a:normAutofit fontScale="92500" lnSpcReduction="10000"/>
+          </a:bodyPr>
+          <a:lstStyle/>
+          <a:p>
+            <a:endParaRPr lang="en-US"/>
+          </a:p>
+        </p:txBody>
+      </p:sp>
+      <p:sp>
+        <p:nvSpPr>
+          <p:cNvPr id="7" name="Text Placeholder 6">
+            <a:extLst>
+              <a:ext uri="{FF2B5EF4-FFF2-40B4-BE49-F238E27FC236}">
+                <a16:creationId xmlns:a16="http://schemas.microsoft.com/office/drawing/2014/main" id="{39521558-D274-44A1-9005-7C91C05F90B5}"/>
+              </a:ext>
+            </a:extLst>
+          </p:cNvPr>
+          <p:cNvSpPr>
+            <a:spLocks noGrp="1"/>
+          </p:cNvSpPr>
+          <p:nvPr>
+            <p:ph type="body" sz="quarter" idx="12"/>
+          </p:nvPr>
+        </p:nvSpPr>
+        <p:spPr/>
+        <p:txBody>
+          <a:bodyPr>
+            <a:normAutofit fontScale="92500" lnSpcReduction="10000"/>
+          </a:bodyPr>
+          <a:lstStyle/>
+          <a:p>
+            <a:endParaRPr lang="en-US"/>
+          </a:p>
+        </p:txBody>
+      </p:sp>
+      <p:sp>
+        <p:nvSpPr>
+          <p:cNvPr id="8" name="Text Placeholder 7">
+            <a:extLst>
+              <a:ext uri="{FF2B5EF4-FFF2-40B4-BE49-F238E27FC236}">
+                <a16:creationId xmlns:a16="http://schemas.microsoft.com/office/drawing/2014/main" id="{56302D06-8D79-4F3C-B332-A350A00474AA}"/>
+              </a:ext>
+            </a:extLst>
+          </p:cNvPr>
+          <p:cNvSpPr>
+            <a:spLocks noGrp="1"/>
+          </p:cNvSpPr>
+          <p:nvPr>
+            <p:ph type="body" sz="quarter" idx="13"/>
+          </p:nvPr>
+        </p:nvSpPr>
+        <p:spPr/>
+        <p:txBody>
+          <a:bodyPr/>
+          <a:lstStyle/>
+          <a:p>
+            <a:endParaRPr lang="en-US"/>
+          </a:p>
+        </p:txBody>
+      </p:sp>
+    </p:spTree>
+    <p:extLst>
+      <p:ext uri="{BB962C8B-B14F-4D97-AF65-F5344CB8AC3E}">
+        <p14:creationId xmlns:p14="http://schemas.microsoft.com/office/powerpoint/2010/main" val="777191069"/>
+      </p:ext>
+    </p:extLst>
+  </p:cSld>
+  <p:clrMapOvr>
+    <a:masterClrMapping/>
+  </p:clrMapOvr>
+</p:sld>
+</file>
+
+<file path=ppt/slides/slide4.xml><?xml version="1.0" encoding="utf-8"?>
+<p:sld xmlns:a="http://schemas.openxmlformats.org/drawingml/2006/main" xmlns:r="http://schemas.openxmlformats.org/officeDocument/2006/relationships" xmlns:p="http://schemas.openxmlformats.org/presentationml/2006/main">
+  <p:cSld>
+    <p:spTree>
+      <p:nvGrpSpPr>
+        <p:cNvPr id="1" name=""/>
+        <p:cNvGrpSpPr/>
+        <p:nvPr/>
+      </p:nvGrpSpPr>
+      <p:grpSpPr>
+        <a:xfrm>
+          <a:off x="0" y="0"/>
+          <a:ext cx="0" cy="0"/>
+          <a:chOff x="0" y="0"/>
+          <a:chExt cx="0" cy="0"/>
+        </a:xfrm>
+      </p:grpSpPr>
+      <p:sp>
+        <p:nvSpPr>
           <p:cNvPr id="2" name="Text Placeholder 1">
             <a:extLst>
               <a:ext uri="{FF2B5EF4-FFF2-40B4-BE49-F238E27FC236}">
@@ -10614,7 +10816,7 @@
 </p:sld>
 </file>
 
-<file path=ppt/slides/slide4.xml><?xml version="1.0" encoding="utf-8"?>
+<file path=ppt/slides/slide5.xml><?xml version="1.0" encoding="utf-8"?>
 <p:sld xmlns:a="http://schemas.openxmlformats.org/drawingml/2006/main" xmlns:r="http://schemas.openxmlformats.org/officeDocument/2006/relationships" xmlns:p="http://schemas.openxmlformats.org/presentationml/2006/main">
   <p:cSld>
     <p:spTree>

--- a/Presentation/Cloudgen2021_Template.pptx
+++ b/Presentation/Cloudgen2021_Template.pptx
@@ -201,7 +201,7 @@
           <a:p>
             <a:fld id="{D62C66B6-8005-43F3-9A3A-43C51FF373BB}" type="datetimeFigureOut">
               <a:rPr lang="en-US" smtClean="0"/>
-              <a:t>9/3/2021</a:t>
+              <a:t>9/15/2021</a:t>
             </a:fld>
             <a:endParaRPr lang="en-US"/>
           </a:p>
@@ -1442,7 +1442,7 @@
           <a:p>
             <a:fld id="{0AE94EDD-D22A-4702-AFE1-732A7AD641D0}" type="datetimeFigureOut">
               <a:rPr lang="en-US" smtClean="0"/>
-              <a:t>9/3/2021</a:t>
+              <a:t>9/15/2021</a:t>
             </a:fld>
             <a:endParaRPr lang="en-US"/>
           </a:p>
@@ -2426,7 +2426,7 @@
             </a:ln>
             <a:extLst>
               <a:ext uri="{91240B29-F687-4f45-9708-019B960494DF}">
-                <a14:hiddenLine xmlns="" xmlns:a14="http://schemas.microsoft.com/office/drawing/2010/main" w="9525">
+                <a14:hiddenLine xmlns:a14="http://schemas.microsoft.com/office/drawing/2010/main" xmlns="" w="9525">
                   <a:solidFill>
                     <a:srgbClr val="000000"/>
                   </a:solidFill>
@@ -2648,7 +2648,7 @@
             </a:ln>
             <a:extLst>
               <a:ext uri="{91240B29-F687-4f45-9708-019B960494DF}">
-                <a14:hiddenLine xmlns="" xmlns:a14="http://schemas.microsoft.com/office/drawing/2010/main" w="9525">
+                <a14:hiddenLine xmlns:a14="http://schemas.microsoft.com/office/drawing/2010/main" xmlns="" w="9525">
                   <a:solidFill>
                     <a:srgbClr val="000000"/>
                   </a:solidFill>
@@ -4864,7 +4864,7 @@
             </a:ln>
             <a:extLst>
               <a:ext uri="{91240B29-F687-4f45-9708-019B960494DF}">
-                <a14:hiddenLine xmlns="" xmlns:a14="http://schemas.microsoft.com/office/drawing/2010/main" w="9525">
+                <a14:hiddenLine xmlns:a14="http://schemas.microsoft.com/office/drawing/2010/main" xmlns="" w="9525">
                   <a:solidFill>
                     <a:srgbClr val="000000"/>
                   </a:solidFill>
@@ -5296,7 +5296,7 @@
             </a:ln>
             <a:extLst>
               <a:ext uri="{91240B29-F687-4f45-9708-019B960494DF}">
-                <a14:hiddenLine xmlns="" xmlns:a14="http://schemas.microsoft.com/office/drawing/2010/main" w="9525">
+                <a14:hiddenLine xmlns:a14="http://schemas.microsoft.com/office/drawing/2010/main" xmlns="" w="9525">
                   <a:solidFill>
                     <a:srgbClr val="000000"/>
                   </a:solidFill>
@@ -6418,7 +6418,7 @@
             </a:ln>
             <a:extLst>
               <a:ext uri="{91240B29-F687-4f45-9708-019B960494DF}">
-                <a14:hiddenLine xmlns="" xmlns:a14="http://schemas.microsoft.com/office/drawing/2010/main" w="9525">
+                <a14:hiddenLine xmlns:a14="http://schemas.microsoft.com/office/drawing/2010/main" xmlns="" w="9525">
                   <a:solidFill>
                     <a:srgbClr val="000000"/>
                   </a:solidFill>
@@ -6850,7 +6850,7 @@
             </a:ln>
             <a:extLst>
               <a:ext uri="{91240B29-F687-4f45-9708-019B960494DF}">
-                <a14:hiddenLine xmlns="" xmlns:a14="http://schemas.microsoft.com/office/drawing/2010/main" w="9525">
+                <a14:hiddenLine xmlns:a14="http://schemas.microsoft.com/office/drawing/2010/main" xmlns="" w="9525">
                   <a:solidFill>
                     <a:srgbClr val="000000"/>
                   </a:solidFill>
@@ -8458,7 +8458,7 @@
           <a:p>
             <a:fld id="{0AE94EDD-D22A-4702-AFE1-732A7AD641D0}" type="datetimeFigureOut">
               <a:rPr lang="en-US" smtClean="0"/>
-              <a:t>9/3/2021</a:t>
+              <a:t>9/15/2021</a:t>
             </a:fld>
             <a:endParaRPr lang="en-US"/>
           </a:p>
@@ -10797,9 +10797,10 @@
           <a:lstStyle/>
           <a:p>
             <a:r>
-              <a:rPr lang="en-US" sz="9600" dirty="0"/>
-              <a:t>#CodeGen2021</a:t>
+              <a:rPr lang="en-US" sz="9600"/>
+              <a:t>#CloudGen2021</a:t>
             </a:r>
+            <a:endParaRPr lang="en-US" sz="9600" dirty="0"/>
           </a:p>
         </p:txBody>
       </p:sp>
